--- a/Planning Documents/Play and Object.pptx
+++ b/Planning Documents/Play and Object.pptx
@@ -8240,10 +8240,7 @@
           </a:solidFill>
           <a:ln w="28575">
             <a:solidFill>
-              <a:schemeClr val="tx1">
-                <a:lumMod val="65000"/>
-                <a:lumOff val="35000"/>
-              </a:schemeClr>
+              <a:srgbClr val="595959"/>
             </a:solidFill>
           </a:ln>
         </p:spPr>
@@ -10257,8 +10254,8 @@
         </p:nvSpPr>
         <p:spPr>
           <a:xfrm>
-            <a:off x="5070013" y="3448217"/>
-            <a:ext cx="1733167" cy="369332"/>
+            <a:off x="4507264" y="3429000"/>
+            <a:ext cx="3177473" cy="369332"/>
           </a:xfrm>
           <a:prstGeom prst="rect">
             <a:avLst/>
@@ -10271,9 +10268,18 @@
           </a:bodyPr>
           <a:lstStyle/>
           <a:p>
+            <a:pPr algn="ctr"/>
+            <a:r>
+              <a:rPr lang="en-US" altLang="ko-KR" dirty="0" smtClean="0"/>
+              <a:t>1</a:t>
+            </a:r>
             <a:r>
               <a:rPr lang="ko-KR" altLang="en-US" dirty="0" smtClean="0"/>
-              <a:t>추후 추가 예정</a:t>
+              <a:t>차 프로젝트 이후 </a:t>
+            </a:r>
+            <a:r>
+              <a:rPr lang="ko-KR" altLang="en-US" dirty="0" smtClean="0"/>
+              <a:t>추가 예정</a:t>
             </a:r>
             <a:endParaRPr lang="ko-KR" altLang="en-US" dirty="0"/>
           </a:p>
